--- a/reports/conceptual_presentation/Duayenler_Conceptual_Presentation_Ilker.pptx
+++ b/reports/conceptual_presentation/Duayenler_Conceptual_Presentation_Ilker.pptx
@@ -11,9 +11,10 @@
     <p:sldId id="264" r:id="rId5"/>
     <p:sldId id="266" r:id="rId6"/>
     <p:sldId id="267" r:id="rId7"/>
-    <p:sldId id="268" r:id="rId8"/>
+    <p:sldId id="273" r:id="rId8"/>
     <p:sldId id="269" r:id="rId9"/>
     <p:sldId id="271" r:id="rId10"/>
+    <p:sldId id="272" r:id="rId11"/>
   </p:sldIdLst>
   <p:sldSz cx="12192000" cy="6858000"/>
   <p:notesSz cx="6858000" cy="9144000"/>
@@ -3314,6 +3315,431 @@
 </p:sld>
 </file>
 
+<file path=ppt/slides/slide10.xml><?xml version="1.0" encoding="utf-8"?>
+<p:sld xmlns:a="http://schemas.openxmlformats.org/drawingml/2006/main" xmlns:r="http://schemas.openxmlformats.org/officeDocument/2006/relationships" xmlns:p="http://schemas.openxmlformats.org/presentationml/2006/main">
+  <p:cSld>
+    <p:spTree>
+      <p:nvGrpSpPr>
+        <p:cNvPr id="1" name=""/>
+        <p:cNvGrpSpPr/>
+        <p:nvPr/>
+      </p:nvGrpSpPr>
+      <p:grpSpPr>
+        <a:xfrm>
+          <a:off x="0" y="0"/>
+          <a:ext cx="0" cy="0"/>
+          <a:chOff x="0" y="0"/>
+          <a:chExt cx="0" cy="0"/>
+        </a:xfrm>
+      </p:grpSpPr>
+      <p:sp>
+        <p:nvSpPr>
+          <p:cNvPr id="2" name="Unvan 1">
+            <a:extLst>
+              <a:ext uri="{FF2B5EF4-FFF2-40B4-BE49-F238E27FC236}">
+                <a16:creationId xmlns:a16="http://schemas.microsoft.com/office/drawing/2014/main" id="{69F97691-73FC-4C96-91A3-D479BFCC2C2E}"/>
+              </a:ext>
+            </a:extLst>
+          </p:cNvPr>
+          <p:cNvSpPr>
+            <a:spLocks noGrp="1"/>
+          </p:cNvSpPr>
+          <p:nvPr>
+            <p:ph type="title"/>
+          </p:nvPr>
+        </p:nvSpPr>
+        <p:spPr/>
+        <p:txBody>
+          <a:bodyPr/>
+          <a:lstStyle/>
+          <a:p>
+            <a:r>
+              <a:rPr lang="en-US" spc="-1" dirty="0">
+                <a:solidFill>
+                  <a:srgbClr val="000000"/>
+                </a:solidFill>
+                <a:uFill>
+                  <a:solidFill>
+                    <a:srgbClr val="FFFFFF"/>
+                  </a:solidFill>
+                </a:uFill>
+              </a:rPr>
+              <a:t>External Communication System</a:t>
+            </a:r>
+            <a:endParaRPr lang="en-US" sz="1800" spc="-1" dirty="0">
+              <a:solidFill>
+                <a:srgbClr val="000000"/>
+              </a:solidFill>
+              <a:uFill>
+                <a:solidFill>
+                  <a:srgbClr val="FFFFFF"/>
+                </a:solidFill>
+              </a:uFill>
+              <a:latin typeface="Calibri"/>
+            </a:endParaRPr>
+          </a:p>
+        </p:txBody>
+      </p:sp>
+      <p:sp>
+        <p:nvSpPr>
+          <p:cNvPr id="3" name="İçerik Yer Tutucusu 2">
+            <a:extLst>
+              <a:ext uri="{FF2B5EF4-FFF2-40B4-BE49-F238E27FC236}">
+                <a16:creationId xmlns:a16="http://schemas.microsoft.com/office/drawing/2014/main" id="{C7FAC309-3115-46CA-8F41-4B0C333A591A}"/>
+              </a:ext>
+            </a:extLst>
+          </p:cNvPr>
+          <p:cNvSpPr>
+            <a:spLocks noGrp="1"/>
+          </p:cNvSpPr>
+          <p:nvPr>
+            <p:ph idx="1"/>
+          </p:nvPr>
+        </p:nvSpPr>
+        <p:spPr/>
+        <p:txBody>
+          <a:bodyPr/>
+          <a:lstStyle/>
+          <a:p>
+            <a:pPr indent="-228240">
+              <a:lnSpc>
+                <a:spcPct val="100000"/>
+              </a:lnSpc>
+              <a:buClr>
+                <a:srgbClr val="000000"/>
+              </a:buClr>
+              <a:buFont typeface="Wingdings" charset="2"/>
+              <a:buChar char=""/>
+            </a:pPr>
+            <a:r>
+              <a:rPr lang="en-US" spc="-1" dirty="0">
+                <a:solidFill>
+                  <a:srgbClr val="000000"/>
+                </a:solidFill>
+                <a:uFill>
+                  <a:solidFill>
+                    <a:srgbClr val="FFFFFF"/>
+                  </a:solidFill>
+                </a:uFill>
+              </a:rPr>
+              <a:t>Improvements to be done:</a:t>
+            </a:r>
+          </a:p>
+          <a:p>
+            <a:pPr lvl="1" indent="-228240">
+              <a:lnSpc>
+                <a:spcPct val="100000"/>
+              </a:lnSpc>
+              <a:buClr>
+                <a:srgbClr val="000000"/>
+              </a:buClr>
+              <a:buFont typeface="Arial"/>
+              <a:buChar char="•"/>
+            </a:pPr>
+            <a:r>
+              <a:rPr lang="en-US" spc="-1" dirty="0">
+                <a:solidFill>
+                  <a:srgbClr val="000000"/>
+                </a:solidFill>
+                <a:uFill>
+                  <a:solidFill>
+                    <a:srgbClr val="FFFFFF"/>
+                  </a:solidFill>
+                </a:uFill>
+              </a:rPr>
+              <a:t>Distance sensor data should be added to the system</a:t>
+            </a:r>
+          </a:p>
+          <a:p>
+            <a:pPr lvl="1" indent="-228240">
+              <a:lnSpc>
+                <a:spcPct val="100000"/>
+              </a:lnSpc>
+              <a:buClr>
+                <a:srgbClr val="000000"/>
+              </a:buClr>
+              <a:buFont typeface="Arial"/>
+              <a:buChar char="•"/>
+            </a:pPr>
+            <a:r>
+              <a:rPr lang="en-US" spc="-1" dirty="0">
+                <a:solidFill>
+                  <a:srgbClr val="000000"/>
+                </a:solidFill>
+                <a:uFill>
+                  <a:solidFill>
+                    <a:srgbClr val="FFFFFF"/>
+                  </a:solidFill>
+                </a:uFill>
+              </a:rPr>
+              <a:t>Client should not be connected to the hotspot manually</a:t>
+            </a:r>
+          </a:p>
+          <a:p>
+            <a:pPr lvl="1" indent="-228240">
+              <a:lnSpc>
+                <a:spcPct val="100000"/>
+              </a:lnSpc>
+              <a:buClr>
+                <a:srgbClr val="000000"/>
+              </a:buClr>
+              <a:buFont typeface="Arial"/>
+              <a:buChar char="•"/>
+            </a:pPr>
+            <a:r>
+              <a:rPr lang="en-US" spc="-1" dirty="0">
+                <a:solidFill>
+                  <a:srgbClr val="000000"/>
+                </a:solidFill>
+                <a:uFill>
+                  <a:solidFill>
+                    <a:srgbClr val="FFFFFF"/>
+                  </a:solidFill>
+                </a:uFill>
+              </a:rPr>
+              <a:t>Client mode function should be able to run before server</a:t>
+            </a:r>
+            <a:endParaRPr lang="en-US" sz="2000" spc="-1" dirty="0">
+              <a:solidFill>
+                <a:srgbClr val="000000"/>
+              </a:solidFill>
+              <a:uFill>
+                <a:solidFill>
+                  <a:srgbClr val="FFFFFF"/>
+                </a:solidFill>
+              </a:uFill>
+            </a:endParaRPr>
+          </a:p>
+          <a:p>
+            <a:endParaRPr lang="en-US" spc="-1" dirty="0">
+              <a:solidFill>
+                <a:srgbClr val="000000"/>
+              </a:solidFill>
+              <a:uFill>
+                <a:solidFill>
+                  <a:srgbClr val="FFFFFF"/>
+                </a:solidFill>
+              </a:uFill>
+            </a:endParaRPr>
+          </a:p>
+        </p:txBody>
+      </p:sp>
+      <p:sp>
+        <p:nvSpPr>
+          <p:cNvPr id="4" name="Dikdörtgen 3">
+            <a:extLst>
+              <a:ext uri="{FF2B5EF4-FFF2-40B4-BE49-F238E27FC236}">
+                <a16:creationId xmlns:a16="http://schemas.microsoft.com/office/drawing/2014/main" id="{B692A2DB-6FBE-4F52-800A-8C53C9991E07}"/>
+              </a:ext>
+            </a:extLst>
+          </p:cNvPr>
+          <p:cNvSpPr/>
+          <p:nvPr/>
+        </p:nvSpPr>
+        <p:spPr>
+          <a:xfrm rot="16200000">
+            <a:off x="6100403" y="1021195"/>
+            <a:ext cx="122549" cy="11314876"/>
+          </a:xfrm>
+          <a:prstGeom prst="rect">
+            <a:avLst/>
+          </a:prstGeom>
+          <a:ln/>
+        </p:spPr>
+        <p:style>
+          <a:lnRef idx="2">
+            <a:schemeClr val="dk1">
+              <a:shade val="50000"/>
+            </a:schemeClr>
+          </a:lnRef>
+          <a:fillRef idx="1">
+            <a:schemeClr val="dk1"/>
+          </a:fillRef>
+          <a:effectRef idx="0">
+            <a:schemeClr val="dk1"/>
+          </a:effectRef>
+          <a:fontRef idx="minor">
+            <a:schemeClr val="lt1"/>
+          </a:fontRef>
+        </p:style>
+        <p:txBody>
+          <a:bodyPr rtlCol="0" anchor="ctr"/>
+          <a:lstStyle/>
+          <a:p>
+            <a:pPr algn="ctr"/>
+            <a:endParaRPr lang="en-US" baseline="-25000" dirty="0"/>
+          </a:p>
+        </p:txBody>
+      </p:sp>
+      <p:sp>
+        <p:nvSpPr>
+          <p:cNvPr id="5" name="Dikdörtgen 4">
+            <a:extLst>
+              <a:ext uri="{FF2B5EF4-FFF2-40B4-BE49-F238E27FC236}">
+                <a16:creationId xmlns:a16="http://schemas.microsoft.com/office/drawing/2014/main" id="{CFCA7416-C5BB-4F00-A910-309359A445F7}"/>
+              </a:ext>
+            </a:extLst>
+          </p:cNvPr>
+          <p:cNvSpPr/>
+          <p:nvPr/>
+        </p:nvSpPr>
+        <p:spPr>
+          <a:xfrm>
+            <a:off x="149786" y="365760"/>
+            <a:ext cx="122549" cy="6023752"/>
+          </a:xfrm>
+          <a:prstGeom prst="rect">
+            <a:avLst/>
+          </a:prstGeom>
+          <a:ln/>
+        </p:spPr>
+        <p:style>
+          <a:lnRef idx="2">
+            <a:schemeClr val="dk1">
+              <a:shade val="50000"/>
+            </a:schemeClr>
+          </a:lnRef>
+          <a:fillRef idx="1">
+            <a:schemeClr val="dk1"/>
+          </a:fillRef>
+          <a:effectRef idx="0">
+            <a:schemeClr val="dk1"/>
+          </a:effectRef>
+          <a:fontRef idx="minor">
+            <a:schemeClr val="lt1"/>
+          </a:fontRef>
+        </p:style>
+        <p:txBody>
+          <a:bodyPr rtlCol="0" anchor="ctr"/>
+          <a:lstStyle/>
+          <a:p>
+            <a:pPr algn="ctr"/>
+            <a:endParaRPr lang="en-US"/>
+          </a:p>
+        </p:txBody>
+      </p:sp>
+      <p:pic>
+        <p:nvPicPr>
+          <p:cNvPr id="6" name="İçerik Yer Tutucusu 4">
+            <a:extLst>
+              <a:ext uri="{FF2B5EF4-FFF2-40B4-BE49-F238E27FC236}">
+                <a16:creationId xmlns:a16="http://schemas.microsoft.com/office/drawing/2014/main" id="{6457BBC8-454E-46A6-A643-C75B1FEE7105}"/>
+              </a:ext>
+            </a:extLst>
+          </p:cNvPr>
+          <p:cNvPicPr>
+            <a:picLocks noChangeAspect="1"/>
+          </p:cNvPicPr>
+          <p:nvPr/>
+        </p:nvPicPr>
+        <p:blipFill>
+          <a:blip r:embed="rId2">
+            <a:extLst>
+              <a:ext uri="{28A0092B-C50C-407E-A947-70E740481C1C}">
+                <a14:useLocalDpi xmlns:a14="http://schemas.microsoft.com/office/drawing/2010/main" val="0"/>
+              </a:ext>
+            </a:extLst>
+          </a:blip>
+          <a:stretch>
+            <a:fillRect/>
+          </a:stretch>
+        </p:blipFill>
+        <p:spPr>
+          <a:xfrm>
+            <a:off x="142351" y="5959496"/>
+            <a:ext cx="787940" cy="787940"/>
+          </a:xfrm>
+          <a:prstGeom prst="rect">
+            <a:avLst/>
+          </a:prstGeom>
+        </p:spPr>
+      </p:pic>
+      <p:sp>
+        <p:nvSpPr>
+          <p:cNvPr id="7" name="Metin kutusu 6">
+            <a:extLst>
+              <a:ext uri="{FF2B5EF4-FFF2-40B4-BE49-F238E27FC236}">
+                <a16:creationId xmlns:a16="http://schemas.microsoft.com/office/drawing/2014/main" id="{073BF9A0-1A4E-4A36-B91E-72859EB60B7D}"/>
+              </a:ext>
+            </a:extLst>
+          </p:cNvPr>
+          <p:cNvSpPr txBox="1"/>
+          <p:nvPr/>
+        </p:nvSpPr>
+        <p:spPr>
+          <a:xfrm>
+            <a:off x="5555703" y="6488668"/>
+            <a:ext cx="1584833" cy="369332"/>
+          </a:xfrm>
+          <a:prstGeom prst="rect">
+            <a:avLst/>
+          </a:prstGeom>
+          <a:solidFill>
+            <a:schemeClr val="bg1"/>
+          </a:solidFill>
+        </p:spPr>
+        <p:txBody>
+          <a:bodyPr wrap="square" rtlCol="0">
+            <a:spAutoFit/>
+          </a:bodyPr>
+          <a:lstStyle/>
+          <a:p>
+            <a:r>
+              <a:rPr lang="tr-TR" dirty="0">
+                <a:latin typeface="K2D" panose="00000500000000000000" pitchFamily="2" charset="-34"/>
+                <a:cs typeface="K2D" panose="00000500000000000000" pitchFamily="2" charset="-34"/>
+              </a:rPr>
+              <a:t>DUAYENLER</a:t>
+            </a:r>
+            <a:endParaRPr lang="en-US" dirty="0">
+              <a:latin typeface="K2D" panose="00000500000000000000" pitchFamily="2" charset="-34"/>
+              <a:cs typeface="K2D" panose="00000500000000000000" pitchFamily="2" charset="-34"/>
+            </a:endParaRPr>
+          </a:p>
+        </p:txBody>
+      </p:sp>
+      <p:pic>
+        <p:nvPicPr>
+          <p:cNvPr id="8" name="Picture 9">
+            <a:extLst>
+              <a:ext uri="{FF2B5EF4-FFF2-40B4-BE49-F238E27FC236}">
+                <a16:creationId xmlns:a16="http://schemas.microsoft.com/office/drawing/2014/main" id="{D19FAABD-8974-4520-A376-3E3268E5F782}"/>
+              </a:ext>
+            </a:extLst>
+          </p:cNvPr>
+          <p:cNvPicPr/>
+          <p:nvPr/>
+        </p:nvPicPr>
+        <p:blipFill>
+          <a:blip r:embed="rId3"/>
+          <a:stretch/>
+        </p:blipFill>
+        <p:spPr>
+          <a:xfrm>
+            <a:off x="1155374" y="4042554"/>
+            <a:ext cx="8376535" cy="1720668"/>
+          </a:xfrm>
+          <a:prstGeom prst="rect">
+            <a:avLst/>
+          </a:prstGeom>
+          <a:ln>
+            <a:noFill/>
+          </a:ln>
+        </p:spPr>
+      </p:pic>
+    </p:spTree>
+    <p:extLst>
+      <p:ext uri="{BB962C8B-B14F-4D97-AF65-F5344CB8AC3E}">
+        <p14:creationId xmlns:p14="http://schemas.microsoft.com/office/powerpoint/2010/main" val="3482239594"/>
+      </p:ext>
+    </p:extLst>
+  </p:cSld>
+  <p:clrMapOvr>
+    <a:masterClrMapping/>
+  </p:clrMapOvr>
+</p:sld>
+</file>
+
 <file path=ppt/slides/slide2.xml><?xml version="1.0" encoding="utf-8"?>
 <p:sld xmlns:a="http://schemas.openxmlformats.org/drawingml/2006/main" xmlns:r="http://schemas.openxmlformats.org/officeDocument/2006/relationships" xmlns:p="http://schemas.openxmlformats.org/presentationml/2006/main">
   <p:cSld>
@@ -4841,10 +5267,10 @@
       </p:sp>
       <p:pic>
         <p:nvPicPr>
-          <p:cNvPr id="10" name="Picture 9">
-            <a:extLst>
-              <a:ext uri="{FF2B5EF4-FFF2-40B4-BE49-F238E27FC236}">
-                <a16:creationId xmlns:a16="http://schemas.microsoft.com/office/drawing/2014/main" id="{63E2E386-9117-4EBD-9CE3-CD728E13EF01}"/>
+          <p:cNvPr id="11" name="Picture 10">
+            <a:extLst>
+              <a:ext uri="{FF2B5EF4-FFF2-40B4-BE49-F238E27FC236}">
+                <a16:creationId xmlns:a16="http://schemas.microsoft.com/office/drawing/2014/main" id="{E32902FC-A745-4CCE-987A-52F709B99A3C}"/>
               </a:ext>
             </a:extLst>
           </p:cNvPr>
@@ -4867,8 +5293,8 @@
         </p:blipFill>
         <p:spPr>
           <a:xfrm>
-            <a:off x="1002289" y="3109623"/>
-            <a:ext cx="10201275" cy="2209800"/>
+            <a:off x="1917233" y="3429000"/>
+            <a:ext cx="7277294" cy="1027088"/>
           </a:xfrm>
           <a:prstGeom prst="rect">
             <a:avLst/>
@@ -4928,7 +5354,7 @@
           <a:p>
             <a:r>
               <a:rPr lang="en-US" dirty="0"/>
-              <a:t>External Communication System(Tests)</a:t>
+              <a:t>External Communication System</a:t>
             </a:r>
           </a:p>
         </p:txBody>
@@ -4954,16 +5380,28 @@
           <a:bodyPr/>
           <a:lstStyle/>
           <a:p>
+            <a:pPr>
+              <a:buFont typeface="Wingdings" panose="05000000000000000000" pitchFamily="2" charset="2"/>
+              <a:buChar char="§"/>
+            </a:pPr>
             <a:r>
               <a:rPr lang="en-US" dirty="0"/>
-              <a:t>Raspberry Pi as Client Test</a:t>
-            </a:r>
-          </a:p>
-          <a:p>
+              <a:t>Main Solution</a:t>
+            </a:r>
+            <a:endParaRPr lang="tr-TR" dirty="0"/>
+          </a:p>
+          <a:p>
+            <a:pPr lvl="1">
+              <a:buFont typeface="Arial" panose="020B0604020202020204" pitchFamily="34" charset="0"/>
+              <a:buChar char="•"/>
+            </a:pPr>
             <a:r>
               <a:rPr lang="en-US" dirty="0"/>
-              <a:t>Raspberry Pi as Server Test</a:t>
-            </a:r>
+              <a:t>An algorithm utilizing network programming</a:t>
+            </a:r>
+          </a:p>
+          <a:p>
+            <a:endParaRPr lang="en-US" dirty="0"/>
           </a:p>
         </p:txBody>
       </p:sp>
@@ -5141,10 +5579,46 @@
           </a:p>
         </p:txBody>
       </p:sp>
+      <p:pic>
+        <p:nvPicPr>
+          <p:cNvPr id="10" name="Picture 9">
+            <a:extLst>
+              <a:ext uri="{FF2B5EF4-FFF2-40B4-BE49-F238E27FC236}">
+                <a16:creationId xmlns:a16="http://schemas.microsoft.com/office/drawing/2014/main" id="{63E2E386-9117-4EBD-9CE3-CD728E13EF01}"/>
+              </a:ext>
+            </a:extLst>
+          </p:cNvPr>
+          <p:cNvPicPr>
+            <a:picLocks noChangeAspect="1"/>
+          </p:cNvPicPr>
+          <p:nvPr/>
+        </p:nvPicPr>
+        <p:blipFill>
+          <a:blip r:embed="rId3">
+            <a:extLst>
+              <a:ext uri="{28A0092B-C50C-407E-A947-70E740481C1C}">
+                <a14:useLocalDpi xmlns:a14="http://schemas.microsoft.com/office/drawing/2010/main" val="0"/>
+              </a:ext>
+            </a:extLst>
+          </a:blip>
+          <a:stretch>
+            <a:fillRect/>
+          </a:stretch>
+        </p:blipFill>
+        <p:spPr>
+          <a:xfrm>
+            <a:off x="1002289" y="3109623"/>
+            <a:ext cx="10201275" cy="2209800"/>
+          </a:xfrm>
+          <a:prstGeom prst="rect">
+            <a:avLst/>
+          </a:prstGeom>
+        </p:spPr>
+      </p:pic>
     </p:spTree>
     <p:extLst>
       <p:ext uri="{BB962C8B-B14F-4D97-AF65-F5344CB8AC3E}">
-        <p14:creationId xmlns:p14="http://schemas.microsoft.com/office/powerpoint/2010/main" val="3386328452"/>
+        <p14:creationId xmlns:p14="http://schemas.microsoft.com/office/powerpoint/2010/main" val="239405058"/>
       </p:ext>
     </p:extLst>
   </p:cSld>
